--- a/docs/isomorphic.pptx
+++ b/docs/isomorphic.pptx
@@ -120,6 +120,11 @@
       </a:defRPr>
     </a:lvl9pPr>
   </p:defaultTextStyle>
+  <p:extLst>
+    <p:ext uri="{EFAFB233-063F-42B5-8137-9DF3F51BA10A}">
+      <p15:sldGuideLst xmlns:p15="http://schemas.microsoft.com/office/powerpoint/2012/main"/>
+    </p:ext>
+  </p:extLst>
 </p:presentation>
 </file>
 
@@ -3862,7 +3867,12 @@
             <p:ph type="ctrTitle"/>
           </p:nvPr>
         </p:nvSpPr>
-        <p:spPr/>
+        <p:spPr>
+          <a:xfrm>
+            <a:off x="1524000" y="2458065"/>
+            <a:ext cx="9144000" cy="1051898"/>
+          </a:xfrm>
+        </p:spPr>
         <p:txBody>
           <a:bodyPr/>
           <a:lstStyle/>
@@ -3906,6 +3916,93 @@
             <a:r>
               <a:rPr lang="ru-RU" dirty="0"/>
               <a:t>Гр.Б921-09.03.03пикд</a:t>
+            </a:r>
+          </a:p>
+          <a:p>
+            <a:pPr algn="r"/>
+            <a:r>
+              <a:rPr lang="ru-RU" dirty="0"/>
+              <a:t>Руководитель: доцент ИМКТ </a:t>
+            </a:r>
+            <a:r>
+              <a:rPr lang="ru-RU" dirty="0" err="1"/>
+              <a:t>Кленин</a:t>
+            </a:r>
+            <a:r>
+              <a:rPr lang="ru-RU" dirty="0"/>
+              <a:t> А. С.</a:t>
+            </a:r>
+          </a:p>
+        </p:txBody>
+      </p:sp>
+      <p:sp>
+        <p:nvSpPr>
+          <p:cNvPr id="4" name="TextBox 3">
+            <a:extLst>
+              <a:ext uri="{FF2B5EF4-FFF2-40B4-BE49-F238E27FC236}">
+                <a16:creationId xmlns:a16="http://schemas.microsoft.com/office/drawing/2014/main" id="{64B83731-1C0A-F012-2465-CCF510B64767}"/>
+              </a:ext>
+            </a:extLst>
+          </p:cNvPr>
+          <p:cNvSpPr txBox="1"/>
+          <p:nvPr/>
+        </p:nvSpPr>
+        <p:spPr>
+          <a:xfrm>
+            <a:off x="2821858" y="324465"/>
+            <a:ext cx="6803923" cy="369332"/>
+          </a:xfrm>
+          <a:prstGeom prst="rect">
+            <a:avLst/>
+          </a:prstGeom>
+          <a:noFill/>
+        </p:spPr>
+        <p:txBody>
+          <a:bodyPr wrap="square" rtlCol="0">
+            <a:spAutoFit/>
+          </a:bodyPr>
+          <a:lstStyle/>
+          <a:p>
+            <a:pPr algn="ctr"/>
+            <a:r>
+              <a:rPr lang="ru-RU" dirty="0"/>
+              <a:t>Дальневосточный Федеральный Университет</a:t>
+            </a:r>
+          </a:p>
+        </p:txBody>
+      </p:sp>
+      <p:sp>
+        <p:nvSpPr>
+          <p:cNvPr id="5" name="TextBox 4">
+            <a:extLst>
+              <a:ext uri="{FF2B5EF4-FFF2-40B4-BE49-F238E27FC236}">
+                <a16:creationId xmlns:a16="http://schemas.microsoft.com/office/drawing/2014/main" id="{982F74DD-8D70-3931-95AA-AD05A8A65DB8}"/>
+              </a:ext>
+            </a:extLst>
+          </p:cNvPr>
+          <p:cNvSpPr txBox="1"/>
+          <p:nvPr/>
+        </p:nvSpPr>
+        <p:spPr>
+          <a:xfrm>
+            <a:off x="3549445" y="1084672"/>
+            <a:ext cx="5348748" cy="369332"/>
+          </a:xfrm>
+          <a:prstGeom prst="rect">
+            <a:avLst/>
+          </a:prstGeom>
+          <a:noFill/>
+        </p:spPr>
+        <p:txBody>
+          <a:bodyPr wrap="square" rtlCol="0">
+            <a:spAutoFit/>
+          </a:bodyPr>
+          <a:lstStyle/>
+          <a:p>
+            <a:pPr algn="ctr"/>
+            <a:r>
+              <a:rPr lang="ru-RU" dirty="0"/>
+              <a:t>Алгоритмы и структуры данных</a:t>
             </a:r>
           </a:p>
         </p:txBody>
